--- a/20140416-secure_software.pptx
+++ b/20140416-secure_software.pptx
@@ -215,7 +215,7 @@
           <a:p>
             <a:fld id="{740616EA-7DD0-4941-A75A-3667382BAFA7}" type="datetimeFigureOut">
               <a:rPr lang="en-AU" smtClean="0"/>
-              <a:t>14/04/2014</a:t>
+              <a:t>6/06/2016</a:t>
             </a:fld>
             <a:endParaRPr lang="en-AU"/>
           </a:p>
@@ -381,7 +381,7 @@
           <a:p>
             <a:fld id="{587278A0-4A02-4D4B-A8AB-1E1752F8063F}" type="datetimeFigureOut">
               <a:rPr lang="en-AU" smtClean="0"/>
-              <a:t>14/04/2014</a:t>
+              <a:t>6/06/2016</a:t>
             </a:fld>
             <a:endParaRPr lang="en-AU"/>
           </a:p>
@@ -1461,7 +1461,7 @@
           <a:p>
             <a:fld id="{0EAB0777-4C60-462E-A92C-CDAFD498799C}" type="datetimeFigureOut">
               <a:rPr lang="en-US" smtClean="0"/>
-              <a:t>4/14/2014</a:t>
+              <a:t>6/6/2016</a:t>
             </a:fld>
             <a:endParaRPr lang="en-US"/>
           </a:p>
@@ -1630,7 +1630,7 @@
           <a:p>
             <a:fld id="{0EAB0777-4C60-462E-A92C-CDAFD498799C}" type="datetimeFigureOut">
               <a:rPr lang="en-US" smtClean="0"/>
-              <a:t>4/14/2014</a:t>
+              <a:t>6/6/2016</a:t>
             </a:fld>
             <a:endParaRPr lang="en-US"/>
           </a:p>
@@ -1876,7 +1876,7 @@
           <a:p>
             <a:fld id="{0EAB0777-4C60-462E-A92C-CDAFD498799C}" type="datetimeFigureOut">
               <a:rPr lang="en-US" smtClean="0"/>
-              <a:t>4/14/2014</a:t>
+              <a:t>6/6/2016</a:t>
             </a:fld>
             <a:endParaRPr lang="en-US"/>
           </a:p>
@@ -2144,7 +2144,7 @@
           <a:p>
             <a:fld id="{0EAB0777-4C60-462E-A92C-CDAFD498799C}" type="datetimeFigureOut">
               <a:rPr lang="en-US" smtClean="0"/>
-              <a:t>4/14/2014</a:t>
+              <a:t>6/6/2016</a:t>
             </a:fld>
             <a:endParaRPr lang="en-US"/>
           </a:p>
@@ -2526,7 +2526,7 @@
           <a:p>
             <a:fld id="{0EAB0777-4C60-462E-A92C-CDAFD498799C}" type="datetimeFigureOut">
               <a:rPr lang="en-US" smtClean="0"/>
-              <a:t>4/14/2014</a:t>
+              <a:t>6/6/2016</a:t>
             </a:fld>
             <a:endParaRPr lang="en-US"/>
           </a:p>
@@ -2680,7 +2680,7 @@
           <a:p>
             <a:fld id="{0EAB0777-4C60-462E-A92C-CDAFD498799C}" type="datetimeFigureOut">
               <a:rPr lang="en-US" smtClean="0"/>
-              <a:t>4/14/2014</a:t>
+              <a:t>6/6/2016</a:t>
             </a:fld>
             <a:endParaRPr lang="en-US"/>
           </a:p>
@@ -2774,7 +2774,7 @@
           <a:p>
             <a:fld id="{0EAB0777-4C60-462E-A92C-CDAFD498799C}" type="datetimeFigureOut">
               <a:rPr lang="en-US" smtClean="0"/>
-              <a:t>4/14/2014</a:t>
+              <a:t>6/6/2016</a:t>
             </a:fld>
             <a:endParaRPr lang="en-US"/>
           </a:p>
@@ -3039,7 +3039,7 @@
           <a:p>
             <a:fld id="{0EAB0777-4C60-462E-A92C-CDAFD498799C}" type="datetimeFigureOut">
               <a:rPr lang="en-US" smtClean="0"/>
-              <a:t>4/14/2014</a:t>
+              <a:t>6/6/2016</a:t>
             </a:fld>
             <a:endParaRPr lang="en-US"/>
           </a:p>
@@ -3522,7 +3522,7 @@
           <a:p>
             <a:fld id="{0EAB0777-4C60-462E-A92C-CDAFD498799C}" type="datetimeFigureOut">
               <a:rPr lang="en-US" smtClean="0"/>
-              <a:t>4/14/2014</a:t>
+              <a:t>6/6/2016</a:t>
             </a:fld>
             <a:endParaRPr lang="en-US"/>
           </a:p>
@@ -3998,7 +3998,7 @@
           <a:p>
             <a:fld id="{0EAB0777-4C60-462E-A92C-CDAFD498799C}" type="datetimeFigureOut">
               <a:rPr lang="en-US" smtClean="0"/>
-              <a:t>4/14/2014</a:t>
+              <a:t>6/6/2016</a:t>
             </a:fld>
             <a:endParaRPr lang="en-US"/>
           </a:p>
@@ -4177,7 +4177,7 @@
           <a:p>
             <a:fld id="{0EAB0777-4C60-462E-A92C-CDAFD498799C}" type="datetimeFigureOut">
               <a:rPr lang="en-US" smtClean="0"/>
-              <a:t>4/14/2014</a:t>
+              <a:t>6/6/2016</a:t>
             </a:fld>
             <a:endParaRPr lang="en-US"/>
           </a:p>
@@ -6820,7 +6820,7 @@
           <a:p>
             <a:fld id="{0EAB0777-4C60-462E-A92C-CDAFD498799C}" type="datetimeFigureOut">
               <a:rPr lang="en-US" smtClean="0"/>
-              <a:t>4/14/2014</a:t>
+              <a:t>6/6/2016</a:t>
             </a:fld>
             <a:endParaRPr lang="en-US"/>
           </a:p>
@@ -7501,11 +7501,7 @@
           <a:p>
             <a:r>
               <a:rPr lang="en-US" dirty="0" smtClean="0"/>
-              <a:t>16</a:t>
-            </a:r>
-            <a:r>
-              <a:rPr lang="en-US" dirty="0" smtClean="0"/>
-              <a:t>-Apr-2014</a:t>
+              <a:t>16-Apr-2014</a:t>
             </a:r>
             <a:endParaRPr lang="en-AU" dirty="0"/>
           </a:p>
@@ -9051,7 +9047,15 @@
             <a:pPr lvl="1"/>
             <a:r>
               <a:rPr lang="en-US" dirty="0" smtClean="0"/>
-              <a:t>The payoff is huge</a:t>
+              <a:t>The payoff </a:t>
+            </a:r>
+            <a:r>
+              <a:rPr lang="en-US" dirty="0" smtClean="0"/>
+              <a:t>for a valid attack is </a:t>
+            </a:r>
+            <a:r>
+              <a:rPr lang="en-US" dirty="0" smtClean="0"/>
+              <a:t>huge</a:t>
             </a:r>
             <a:endParaRPr lang="en-US" dirty="0"/>
           </a:p>
@@ -11733,8 +11737,8 @@
               <a:t>May be triggered by certain data, a specific use case </a:t>
             </a:r>
             <a:r>
-              <a:rPr lang="en-AU" dirty="0" err="1" smtClean="0"/>
-              <a:t>etc</a:t>
+              <a:rPr lang="en-AU" dirty="0" smtClean="0"/>
+              <a:t>etc.</a:t>
             </a:r>
             <a:endParaRPr lang="en-AU" dirty="0" smtClean="0"/>
           </a:p>
@@ -12140,11 +12144,7 @@
           <a:p>
             <a:r>
               <a:rPr lang="en-US" dirty="0" smtClean="0"/>
-              <a:t> </a:t>
-            </a:r>
-            <a:r>
-              <a:rPr lang="en-US" dirty="0" smtClean="0"/>
-              <a:t>Type of security breach</a:t>
+              <a:t> Type of security breach</a:t>
             </a:r>
           </a:p>
           <a:p>
@@ -12302,11 +12302,7 @@
           <a:p>
             <a:r>
               <a:rPr lang="en-US" dirty="0" smtClean="0"/>
-              <a:t> </a:t>
-            </a:r>
-            <a:r>
-              <a:rPr lang="en-US" dirty="0" smtClean="0"/>
-              <a:t>They probably know more than you think</a:t>
+              <a:t> They probably know more than you think</a:t>
             </a:r>
           </a:p>
           <a:p>
